--- a/pp.pptx
+++ b/pp.pptx
@@ -13,8 +13,8 @@
     <p:sldId id="260" r:id="rId7"/>
     <p:sldId id="261" r:id="rId8"/>
     <p:sldId id="262" r:id="rId9"/>
-    <p:sldId id="263" r:id="rId10"/>
-    <p:sldId id="264" r:id="rId11"/>
+    <p:sldId id="264" r:id="rId10"/>
+    <p:sldId id="263" r:id="rId11"/>
   </p:sldIdLst>
   <p:sldSz cx="12192000" cy="6858000"/>
   <p:notesSz cx="6858000" cy="9144000"/>
@@ -113,6 +113,11 @@
       </a:defRPr>
     </a:lvl9pPr>
   </p:defaultTextStyle>
+  <p:extLst>
+    <p:ext uri="{EFAFB233-063F-42B5-8137-9DF3F51BA10A}">
+      <p15:sldGuideLst xmlns:p15="http://schemas.microsoft.com/office/powerpoint/2012/main"/>
+    </p:ext>
+  </p:extLst>
 </p:presentation>
 </file>
 
@@ -120,11 +125,18 @@
 <pc:chgInfo xmlns:a="http://schemas.openxmlformats.org/drawingml/2006/main" xmlns:r="http://schemas.openxmlformats.org/officeDocument/2006/relationships" xmlns:ac="http://schemas.microsoft.com/office/drawing/2013/main/command" xmlns:pc="http://schemas.microsoft.com/office/powerpoint/2013/main/command">
   <pc:docChgLst>
     <pc:chgData name="pascal bühler" userId="a32c1ca0ce8d2434" providerId="LiveId" clId="{BCF241F5-6246-4B04-B107-FE72DBD59DC4}"/>
-    <pc:docChg chg="addSld">
-      <pc:chgData name="pascal bühler" userId="a32c1ca0ce8d2434" providerId="LiveId" clId="{BCF241F5-6246-4B04-B107-FE72DBD59DC4}" dt="2021-05-15T11:53:25.878" v="0" actId="680"/>
+    <pc:docChg chg="addSld modSld sldOrd">
+      <pc:chgData name="pascal bühler" userId="a32c1ca0ce8d2434" providerId="LiveId" clId="{BCF241F5-6246-4B04-B107-FE72DBD59DC4}" dt="2021-05-15T12:37:42.553" v="2"/>
       <pc:docMkLst>
         <pc:docMk/>
       </pc:docMkLst>
+      <pc:sldChg chg="ord">
+        <pc:chgData name="pascal bühler" userId="a32c1ca0ce8d2434" providerId="LiveId" clId="{BCF241F5-6246-4B04-B107-FE72DBD59DC4}" dt="2021-05-15T12:37:42.553" v="2"/>
+        <pc:sldMkLst>
+          <pc:docMk/>
+          <pc:sldMk cId="2296028903" sldId="264"/>
+        </pc:sldMkLst>
+      </pc:sldChg>
       <pc:sldChg chg="new">
         <pc:chgData name="pascal bühler" userId="a32c1ca0ce8d2434" providerId="LiveId" clId="{BCF241F5-6246-4B04-B107-FE72DBD59DC4}" dt="2021-05-15T11:53:25.878" v="0" actId="680"/>
         <pc:sldMkLst>
@@ -5482,6 +5494,695 @@
           <a:chExt cx="0" cy="0"/>
         </a:xfrm>
       </p:grpSpPr>
+      <p:sp>
+        <p:nvSpPr>
+          <p:cNvPr id="2" name="Titel 1">
+            <a:extLst>
+              <a:ext uri="{FF2B5EF4-FFF2-40B4-BE49-F238E27FC236}">
+                <a16:creationId xmlns:a16="http://schemas.microsoft.com/office/drawing/2014/main" id="{CCC6BA96-1273-4301-83AA-040C51ADBB78}"/>
+              </a:ext>
+            </a:extLst>
+          </p:cNvPr>
+          <p:cNvSpPr>
+            <a:spLocks noGrp="1"/>
+          </p:cNvSpPr>
+          <p:nvPr>
+            <p:ph type="title"/>
+          </p:nvPr>
+        </p:nvSpPr>
+        <p:spPr/>
+        <p:txBody>
+          <a:bodyPr/>
+          <a:lstStyle/>
+          <a:p>
+            <a:endParaRPr lang="de-CH"/>
+          </a:p>
+        </p:txBody>
+      </p:sp>
+      <p:pic>
+        <p:nvPicPr>
+          <p:cNvPr id="4" name="Inhaltsplatzhalter 3">
+            <a:extLst>
+              <a:ext uri="{FF2B5EF4-FFF2-40B4-BE49-F238E27FC236}">
+                <a16:creationId xmlns:a16="http://schemas.microsoft.com/office/drawing/2014/main" id="{D70C8911-1C7D-4E83-8793-8CD18780D89E}"/>
+              </a:ext>
+            </a:extLst>
+          </p:cNvPr>
+          <p:cNvPicPr>
+            <a:picLocks noGrp="1" noChangeAspect="1"/>
+          </p:cNvPicPr>
+          <p:nvPr>
+            <p:ph idx="1"/>
+          </p:nvPr>
+        </p:nvPicPr>
+        <p:blipFill>
+          <a:blip r:embed="rId2"/>
+          <a:stretch>
+            <a:fillRect/>
+          </a:stretch>
+        </p:blipFill>
+        <p:spPr>
+          <a:xfrm>
+            <a:off x="1336090" y="271271"/>
+            <a:ext cx="9563558" cy="6281055"/>
+          </a:xfrm>
+          <a:prstGeom prst="rect">
+            <a:avLst/>
+          </a:prstGeom>
+        </p:spPr>
+      </p:pic>
+    </p:spTree>
+    <p:extLst>
+      <p:ext uri="{BB962C8B-B14F-4D97-AF65-F5344CB8AC3E}">
+        <p14:creationId xmlns:p14="http://schemas.microsoft.com/office/powerpoint/2010/main" val="2975336818"/>
+      </p:ext>
+    </p:extLst>
+  </p:cSld>
+  <p:clrMapOvr>
+    <a:masterClrMapping/>
+  </p:clrMapOvr>
+</p:sld>
+</file>
+
+<file path=ppt/slides/slide2.xml><?xml version="1.0" encoding="utf-8"?>
+<p:sld xmlns:a="http://schemas.openxmlformats.org/drawingml/2006/main" xmlns:r="http://schemas.openxmlformats.org/officeDocument/2006/relationships" xmlns:p="http://schemas.openxmlformats.org/presentationml/2006/main">
+  <p:cSld>
+    <p:spTree>
+      <p:nvGrpSpPr>
+        <p:cNvPr id="1" name=""/>
+        <p:cNvGrpSpPr/>
+        <p:nvPr/>
+      </p:nvGrpSpPr>
+      <p:grpSpPr>
+        <a:xfrm>
+          <a:off x="0" y="0"/>
+          <a:ext cx="0" cy="0"/>
+          <a:chOff x="0" y="0"/>
+          <a:chExt cx="0" cy="0"/>
+        </a:xfrm>
+      </p:grpSpPr>
+      <p:sp>
+        <p:nvSpPr>
+          <p:cNvPr id="2" name="Titel 1">
+            <a:extLst>
+              <a:ext uri="{FF2B5EF4-FFF2-40B4-BE49-F238E27FC236}">
+                <a16:creationId xmlns:a16="http://schemas.microsoft.com/office/drawing/2014/main" id="{84F8704F-C6BB-40E2-B96D-A080DD6E392F}"/>
+              </a:ext>
+            </a:extLst>
+          </p:cNvPr>
+          <p:cNvSpPr>
+            <a:spLocks noGrp="1"/>
+          </p:cNvSpPr>
+          <p:nvPr>
+            <p:ph type="title"/>
+          </p:nvPr>
+        </p:nvSpPr>
+        <p:spPr/>
+        <p:txBody>
+          <a:bodyPr/>
+          <a:lstStyle/>
+          <a:p>
+            <a:endParaRPr lang="de-CH"/>
+          </a:p>
+        </p:txBody>
+      </p:sp>
+      <p:sp>
+        <p:nvSpPr>
+          <p:cNvPr id="3" name="Inhaltsplatzhalter 2">
+            <a:extLst>
+              <a:ext uri="{FF2B5EF4-FFF2-40B4-BE49-F238E27FC236}">
+                <a16:creationId xmlns:a16="http://schemas.microsoft.com/office/drawing/2014/main" id="{247469BC-2AD5-46C4-9C3B-88D70A876005}"/>
+              </a:ext>
+            </a:extLst>
+          </p:cNvPr>
+          <p:cNvSpPr>
+            <a:spLocks noGrp="1"/>
+          </p:cNvSpPr>
+          <p:nvPr>
+            <p:ph idx="1"/>
+          </p:nvPr>
+        </p:nvSpPr>
+        <p:spPr/>
+        <p:txBody>
+          <a:bodyPr/>
+          <a:lstStyle/>
+          <a:p>
+            <a:endParaRPr lang="de-CH"/>
+          </a:p>
+        </p:txBody>
+      </p:sp>
+    </p:spTree>
+    <p:extLst>
+      <p:ext uri="{BB962C8B-B14F-4D97-AF65-F5344CB8AC3E}">
+        <p14:creationId xmlns:p14="http://schemas.microsoft.com/office/powerpoint/2010/main" val="2222171487"/>
+      </p:ext>
+    </p:extLst>
+  </p:cSld>
+  <p:clrMapOvr>
+    <a:masterClrMapping/>
+  </p:clrMapOvr>
+</p:sld>
+</file>
+
+<file path=ppt/slides/slide3.xml><?xml version="1.0" encoding="utf-8"?>
+<p:sld xmlns:a="http://schemas.openxmlformats.org/drawingml/2006/main" xmlns:r="http://schemas.openxmlformats.org/officeDocument/2006/relationships" xmlns:p="http://schemas.openxmlformats.org/presentationml/2006/main">
+  <p:cSld>
+    <p:spTree>
+      <p:nvGrpSpPr>
+        <p:cNvPr id="1" name=""/>
+        <p:cNvGrpSpPr/>
+        <p:nvPr/>
+      </p:nvGrpSpPr>
+      <p:grpSpPr>
+        <a:xfrm>
+          <a:off x="0" y="0"/>
+          <a:ext cx="0" cy="0"/>
+          <a:chOff x="0" y="0"/>
+          <a:chExt cx="0" cy="0"/>
+        </a:xfrm>
+      </p:grpSpPr>
+      <p:sp>
+        <p:nvSpPr>
+          <p:cNvPr id="2" name="Titel 1">
+            <a:extLst>
+              <a:ext uri="{FF2B5EF4-FFF2-40B4-BE49-F238E27FC236}">
+                <a16:creationId xmlns:a16="http://schemas.microsoft.com/office/drawing/2014/main" id="{E8B5B27D-A941-4473-B940-5A94F3BB0CE5}"/>
+              </a:ext>
+            </a:extLst>
+          </p:cNvPr>
+          <p:cNvSpPr>
+            <a:spLocks noGrp="1"/>
+          </p:cNvSpPr>
+          <p:nvPr>
+            <p:ph type="title"/>
+          </p:nvPr>
+        </p:nvSpPr>
+        <p:spPr/>
+        <p:txBody>
+          <a:bodyPr/>
+          <a:lstStyle/>
+          <a:p>
+            <a:endParaRPr lang="de-CH" dirty="0"/>
+          </a:p>
+        </p:txBody>
+      </p:sp>
+      <p:pic>
+        <p:nvPicPr>
+          <p:cNvPr id="4" name="Inhaltsplatzhalter 3">
+            <a:extLst>
+              <a:ext uri="{FF2B5EF4-FFF2-40B4-BE49-F238E27FC236}">
+                <a16:creationId xmlns:a16="http://schemas.microsoft.com/office/drawing/2014/main" id="{6CB74B96-3ADF-4669-A754-7B27187855A2}"/>
+              </a:ext>
+            </a:extLst>
+          </p:cNvPr>
+          <p:cNvPicPr>
+            <a:picLocks noGrp="1" noChangeAspect="1"/>
+          </p:cNvPicPr>
+          <p:nvPr>
+            <p:ph idx="1"/>
+          </p:nvPr>
+        </p:nvPicPr>
+        <p:blipFill>
+          <a:blip r:embed="rId2"/>
+          <a:stretch>
+            <a:fillRect/>
+          </a:stretch>
+        </p:blipFill>
+        <p:spPr>
+          <a:xfrm>
+            <a:off x="2368094" y="253748"/>
+            <a:ext cx="7455811" cy="6350503"/>
+          </a:xfrm>
+          <a:prstGeom prst="rect">
+            <a:avLst/>
+          </a:prstGeom>
+        </p:spPr>
+      </p:pic>
+    </p:spTree>
+    <p:extLst>
+      <p:ext uri="{BB962C8B-B14F-4D97-AF65-F5344CB8AC3E}">
+        <p14:creationId xmlns:p14="http://schemas.microsoft.com/office/powerpoint/2010/main" val="3743560670"/>
+      </p:ext>
+    </p:extLst>
+  </p:cSld>
+  <p:clrMapOvr>
+    <a:masterClrMapping/>
+  </p:clrMapOvr>
+</p:sld>
+</file>
+
+<file path=ppt/slides/slide4.xml><?xml version="1.0" encoding="utf-8"?>
+<p:sld xmlns:a="http://schemas.openxmlformats.org/drawingml/2006/main" xmlns:r="http://schemas.openxmlformats.org/officeDocument/2006/relationships" xmlns:p="http://schemas.openxmlformats.org/presentationml/2006/main">
+  <p:cSld>
+    <p:spTree>
+      <p:nvGrpSpPr>
+        <p:cNvPr id="1" name=""/>
+        <p:cNvGrpSpPr/>
+        <p:nvPr/>
+      </p:nvGrpSpPr>
+      <p:grpSpPr>
+        <a:xfrm>
+          <a:off x="0" y="0"/>
+          <a:ext cx="0" cy="0"/>
+          <a:chOff x="0" y="0"/>
+          <a:chExt cx="0" cy="0"/>
+        </a:xfrm>
+      </p:grpSpPr>
+      <p:sp>
+        <p:nvSpPr>
+          <p:cNvPr id="2" name="Titel 1">
+            <a:extLst>
+              <a:ext uri="{FF2B5EF4-FFF2-40B4-BE49-F238E27FC236}">
+                <a16:creationId xmlns:a16="http://schemas.microsoft.com/office/drawing/2014/main" id="{1A7DAA6B-388B-4E94-8263-4738867AD5B7}"/>
+              </a:ext>
+            </a:extLst>
+          </p:cNvPr>
+          <p:cNvSpPr>
+            <a:spLocks noGrp="1"/>
+          </p:cNvSpPr>
+          <p:nvPr>
+            <p:ph type="title"/>
+          </p:nvPr>
+        </p:nvSpPr>
+        <p:spPr/>
+        <p:txBody>
+          <a:bodyPr/>
+          <a:lstStyle/>
+          <a:p>
+            <a:endParaRPr lang="de-CH"/>
+          </a:p>
+        </p:txBody>
+      </p:sp>
+      <p:pic>
+        <p:nvPicPr>
+          <p:cNvPr id="4" name="Inhaltsplatzhalter 3">
+            <a:extLst>
+              <a:ext uri="{FF2B5EF4-FFF2-40B4-BE49-F238E27FC236}">
+                <a16:creationId xmlns:a16="http://schemas.microsoft.com/office/drawing/2014/main" id="{FC592DAB-56A4-4950-ACD9-405F01F155B1}"/>
+              </a:ext>
+            </a:extLst>
+          </p:cNvPr>
+          <p:cNvPicPr>
+            <a:picLocks noGrp="1" noChangeAspect="1"/>
+          </p:cNvPicPr>
+          <p:nvPr>
+            <p:ph idx="1"/>
+          </p:nvPr>
+        </p:nvPicPr>
+        <p:blipFill>
+          <a:blip r:embed="rId2"/>
+          <a:stretch>
+            <a:fillRect/>
+          </a:stretch>
+        </p:blipFill>
+        <p:spPr>
+          <a:xfrm>
+            <a:off x="894500" y="582672"/>
+            <a:ext cx="10613288" cy="5866255"/>
+          </a:xfrm>
+          <a:prstGeom prst="rect">
+            <a:avLst/>
+          </a:prstGeom>
+        </p:spPr>
+      </p:pic>
+    </p:spTree>
+    <p:extLst>
+      <p:ext uri="{BB962C8B-B14F-4D97-AF65-F5344CB8AC3E}">
+        <p14:creationId xmlns:p14="http://schemas.microsoft.com/office/powerpoint/2010/main" val="1023309917"/>
+      </p:ext>
+    </p:extLst>
+  </p:cSld>
+  <p:clrMapOvr>
+    <a:masterClrMapping/>
+  </p:clrMapOvr>
+</p:sld>
+</file>
+
+<file path=ppt/slides/slide5.xml><?xml version="1.0" encoding="utf-8"?>
+<p:sld xmlns:a="http://schemas.openxmlformats.org/drawingml/2006/main" xmlns:r="http://schemas.openxmlformats.org/officeDocument/2006/relationships" xmlns:p="http://schemas.openxmlformats.org/presentationml/2006/main">
+  <p:cSld>
+    <p:spTree>
+      <p:nvGrpSpPr>
+        <p:cNvPr id="1" name=""/>
+        <p:cNvGrpSpPr/>
+        <p:nvPr/>
+      </p:nvGrpSpPr>
+      <p:grpSpPr>
+        <a:xfrm>
+          <a:off x="0" y="0"/>
+          <a:ext cx="0" cy="0"/>
+          <a:chOff x="0" y="0"/>
+          <a:chExt cx="0" cy="0"/>
+        </a:xfrm>
+      </p:grpSpPr>
+      <p:sp>
+        <p:nvSpPr>
+          <p:cNvPr id="2" name="Titel 1">
+            <a:extLst>
+              <a:ext uri="{FF2B5EF4-FFF2-40B4-BE49-F238E27FC236}">
+                <a16:creationId xmlns:a16="http://schemas.microsoft.com/office/drawing/2014/main" id="{6C283FA4-AB8A-4CF0-8414-FF5FDBC632BF}"/>
+              </a:ext>
+            </a:extLst>
+          </p:cNvPr>
+          <p:cNvSpPr>
+            <a:spLocks noGrp="1"/>
+          </p:cNvSpPr>
+          <p:nvPr>
+            <p:ph type="title"/>
+          </p:nvPr>
+        </p:nvSpPr>
+        <p:spPr/>
+        <p:txBody>
+          <a:bodyPr/>
+          <a:lstStyle/>
+          <a:p>
+            <a:endParaRPr lang="de-CH"/>
+          </a:p>
+        </p:txBody>
+      </p:sp>
+      <p:pic>
+        <p:nvPicPr>
+          <p:cNvPr id="4" name="Inhaltsplatzhalter 3">
+            <a:extLst>
+              <a:ext uri="{FF2B5EF4-FFF2-40B4-BE49-F238E27FC236}">
+                <a16:creationId xmlns:a16="http://schemas.microsoft.com/office/drawing/2014/main" id="{B47D7273-D9FA-4D9E-A91A-894350C9A056}"/>
+              </a:ext>
+            </a:extLst>
+          </p:cNvPr>
+          <p:cNvPicPr>
+            <a:picLocks noGrp="1" noChangeAspect="1"/>
+          </p:cNvPicPr>
+          <p:nvPr>
+            <p:ph idx="1"/>
+          </p:nvPr>
+        </p:nvPicPr>
+        <p:blipFill>
+          <a:blip r:embed="rId2"/>
+          <a:stretch>
+            <a:fillRect/>
+          </a:stretch>
+        </p:blipFill>
+        <p:spPr>
+          <a:xfrm>
+            <a:off x="1208117" y="76486"/>
+            <a:ext cx="10214145" cy="6705027"/>
+          </a:xfrm>
+          <a:prstGeom prst="rect">
+            <a:avLst/>
+          </a:prstGeom>
+        </p:spPr>
+      </p:pic>
+    </p:spTree>
+    <p:extLst>
+      <p:ext uri="{BB962C8B-B14F-4D97-AF65-F5344CB8AC3E}">
+        <p14:creationId xmlns:p14="http://schemas.microsoft.com/office/powerpoint/2010/main" val="3916176217"/>
+      </p:ext>
+    </p:extLst>
+  </p:cSld>
+  <p:clrMapOvr>
+    <a:masterClrMapping/>
+  </p:clrMapOvr>
+</p:sld>
+</file>
+
+<file path=ppt/slides/slide6.xml><?xml version="1.0" encoding="utf-8"?>
+<p:sld xmlns:a="http://schemas.openxmlformats.org/drawingml/2006/main" xmlns:r="http://schemas.openxmlformats.org/officeDocument/2006/relationships" xmlns:p="http://schemas.openxmlformats.org/presentationml/2006/main">
+  <p:cSld>
+    <p:spTree>
+      <p:nvGrpSpPr>
+        <p:cNvPr id="1" name=""/>
+        <p:cNvGrpSpPr/>
+        <p:nvPr/>
+      </p:nvGrpSpPr>
+      <p:grpSpPr>
+        <a:xfrm>
+          <a:off x="0" y="0"/>
+          <a:ext cx="0" cy="0"/>
+          <a:chOff x="0" y="0"/>
+          <a:chExt cx="0" cy="0"/>
+        </a:xfrm>
+      </p:grpSpPr>
+      <p:sp>
+        <p:nvSpPr>
+          <p:cNvPr id="2" name="Titel 1">
+            <a:extLst>
+              <a:ext uri="{FF2B5EF4-FFF2-40B4-BE49-F238E27FC236}">
+                <a16:creationId xmlns:a16="http://schemas.microsoft.com/office/drawing/2014/main" id="{C605AC43-1517-4613-9843-3C480F07DE1E}"/>
+              </a:ext>
+            </a:extLst>
+          </p:cNvPr>
+          <p:cNvSpPr>
+            <a:spLocks noGrp="1"/>
+          </p:cNvSpPr>
+          <p:nvPr>
+            <p:ph type="title"/>
+          </p:nvPr>
+        </p:nvSpPr>
+        <p:spPr/>
+        <p:txBody>
+          <a:bodyPr/>
+          <a:lstStyle/>
+          <a:p>
+            <a:endParaRPr lang="de-CH"/>
+          </a:p>
+        </p:txBody>
+      </p:sp>
+      <p:pic>
+        <p:nvPicPr>
+          <p:cNvPr id="4" name="Inhaltsplatzhalter 3">
+            <a:extLst>
+              <a:ext uri="{FF2B5EF4-FFF2-40B4-BE49-F238E27FC236}">
+                <a16:creationId xmlns:a16="http://schemas.microsoft.com/office/drawing/2014/main" id="{ED789E1E-0849-46A7-9F71-7EBE59427E34}"/>
+              </a:ext>
+            </a:extLst>
+          </p:cNvPr>
+          <p:cNvPicPr>
+            <a:picLocks noGrp="1" noChangeAspect="1"/>
+          </p:cNvPicPr>
+          <p:nvPr>
+            <p:ph idx="1"/>
+          </p:nvPr>
+        </p:nvPicPr>
+        <p:blipFill>
+          <a:blip r:embed="rId2"/>
+          <a:stretch>
+            <a:fillRect/>
+          </a:stretch>
+        </p:blipFill>
+        <p:spPr>
+          <a:xfrm>
+            <a:off x="1314103" y="323993"/>
+            <a:ext cx="9095905" cy="6210014"/>
+          </a:xfrm>
+          <a:prstGeom prst="rect">
+            <a:avLst/>
+          </a:prstGeom>
+        </p:spPr>
+      </p:pic>
+    </p:spTree>
+    <p:extLst>
+      <p:ext uri="{BB962C8B-B14F-4D97-AF65-F5344CB8AC3E}">
+        <p14:creationId xmlns:p14="http://schemas.microsoft.com/office/powerpoint/2010/main" val="1275144709"/>
+      </p:ext>
+    </p:extLst>
+  </p:cSld>
+  <p:clrMapOvr>
+    <a:masterClrMapping/>
+  </p:clrMapOvr>
+</p:sld>
+</file>
+
+<file path=ppt/slides/slide7.xml><?xml version="1.0" encoding="utf-8"?>
+<p:sld xmlns:a="http://schemas.openxmlformats.org/drawingml/2006/main" xmlns:r="http://schemas.openxmlformats.org/officeDocument/2006/relationships" xmlns:p="http://schemas.openxmlformats.org/presentationml/2006/main">
+  <p:cSld>
+    <p:spTree>
+      <p:nvGrpSpPr>
+        <p:cNvPr id="1" name=""/>
+        <p:cNvGrpSpPr/>
+        <p:nvPr/>
+      </p:nvGrpSpPr>
+      <p:grpSpPr>
+        <a:xfrm>
+          <a:off x="0" y="0"/>
+          <a:ext cx="0" cy="0"/>
+          <a:chOff x="0" y="0"/>
+          <a:chExt cx="0" cy="0"/>
+        </a:xfrm>
+      </p:grpSpPr>
+      <p:sp>
+        <p:nvSpPr>
+          <p:cNvPr id="2" name="Titel 1">
+            <a:extLst>
+              <a:ext uri="{FF2B5EF4-FFF2-40B4-BE49-F238E27FC236}">
+                <a16:creationId xmlns:a16="http://schemas.microsoft.com/office/drawing/2014/main" id="{F6C277AA-40B6-4EEA-ABCD-3E7E7CD3245B}"/>
+              </a:ext>
+            </a:extLst>
+          </p:cNvPr>
+          <p:cNvSpPr>
+            <a:spLocks noGrp="1"/>
+          </p:cNvSpPr>
+          <p:nvPr>
+            <p:ph type="title"/>
+          </p:nvPr>
+        </p:nvSpPr>
+        <p:spPr/>
+        <p:txBody>
+          <a:bodyPr/>
+          <a:lstStyle/>
+          <a:p>
+            <a:endParaRPr lang="de-CH"/>
+          </a:p>
+        </p:txBody>
+      </p:sp>
+      <p:pic>
+        <p:nvPicPr>
+          <p:cNvPr id="4" name="Inhaltsplatzhalter 3">
+            <a:extLst>
+              <a:ext uri="{FF2B5EF4-FFF2-40B4-BE49-F238E27FC236}">
+                <a16:creationId xmlns:a16="http://schemas.microsoft.com/office/drawing/2014/main" id="{0AEE3EDB-BF22-4536-8EA3-341634EAC019}"/>
+              </a:ext>
+            </a:extLst>
+          </p:cNvPr>
+          <p:cNvPicPr>
+            <a:picLocks noGrp="1" noChangeAspect="1"/>
+          </p:cNvPicPr>
+          <p:nvPr>
+            <p:ph idx="1"/>
+          </p:nvPr>
+        </p:nvPicPr>
+        <p:blipFill>
+          <a:blip r:embed="rId2"/>
+          <a:stretch>
+            <a:fillRect/>
+          </a:stretch>
+        </p:blipFill>
+        <p:spPr>
+          <a:xfrm>
+            <a:off x="1446281" y="87658"/>
+            <a:ext cx="9079632" cy="6506892"/>
+          </a:xfrm>
+          <a:prstGeom prst="rect">
+            <a:avLst/>
+          </a:prstGeom>
+        </p:spPr>
+      </p:pic>
+    </p:spTree>
+    <p:extLst>
+      <p:ext uri="{BB962C8B-B14F-4D97-AF65-F5344CB8AC3E}">
+        <p14:creationId xmlns:p14="http://schemas.microsoft.com/office/powerpoint/2010/main" val="2088621020"/>
+      </p:ext>
+    </p:extLst>
+  </p:cSld>
+  <p:clrMapOvr>
+    <a:masterClrMapping/>
+  </p:clrMapOvr>
+</p:sld>
+</file>
+
+<file path=ppt/slides/slide8.xml><?xml version="1.0" encoding="utf-8"?>
+<p:sld xmlns:a="http://schemas.openxmlformats.org/drawingml/2006/main" xmlns:r="http://schemas.openxmlformats.org/officeDocument/2006/relationships" xmlns:p="http://schemas.openxmlformats.org/presentationml/2006/main">
+  <p:cSld>
+    <p:spTree>
+      <p:nvGrpSpPr>
+        <p:cNvPr id="1" name=""/>
+        <p:cNvGrpSpPr/>
+        <p:nvPr/>
+      </p:nvGrpSpPr>
+      <p:grpSpPr>
+        <a:xfrm>
+          <a:off x="0" y="0"/>
+          <a:ext cx="0" cy="0"/>
+          <a:chOff x="0" y="0"/>
+          <a:chExt cx="0" cy="0"/>
+        </a:xfrm>
+      </p:grpSpPr>
+      <p:sp>
+        <p:nvSpPr>
+          <p:cNvPr id="2" name="Titel 1">
+            <a:extLst>
+              <a:ext uri="{FF2B5EF4-FFF2-40B4-BE49-F238E27FC236}">
+                <a16:creationId xmlns:a16="http://schemas.microsoft.com/office/drawing/2014/main" id="{238AD273-C637-4E96-AD18-FD541CFFBEAE}"/>
+              </a:ext>
+            </a:extLst>
+          </p:cNvPr>
+          <p:cNvSpPr>
+            <a:spLocks noGrp="1"/>
+          </p:cNvSpPr>
+          <p:nvPr>
+            <p:ph type="title"/>
+          </p:nvPr>
+        </p:nvSpPr>
+        <p:spPr/>
+        <p:txBody>
+          <a:bodyPr/>
+          <a:lstStyle/>
+          <a:p>
+            <a:endParaRPr lang="de-CH"/>
+          </a:p>
+        </p:txBody>
+      </p:sp>
+      <p:pic>
+        <p:nvPicPr>
+          <p:cNvPr id="4" name="Inhaltsplatzhalter 3">
+            <a:extLst>
+              <a:ext uri="{FF2B5EF4-FFF2-40B4-BE49-F238E27FC236}">
+                <a16:creationId xmlns:a16="http://schemas.microsoft.com/office/drawing/2014/main" id="{5839D4D4-FCC1-443A-A8CF-801E4B616749}"/>
+              </a:ext>
+            </a:extLst>
+          </p:cNvPr>
+          <p:cNvPicPr>
+            <a:picLocks noGrp="1" noChangeAspect="1"/>
+          </p:cNvPicPr>
+          <p:nvPr>
+            <p:ph idx="1"/>
+          </p:nvPr>
+        </p:nvPicPr>
+        <p:blipFill>
+          <a:blip r:embed="rId2"/>
+          <a:stretch>
+            <a:fillRect/>
+          </a:stretch>
+        </p:blipFill>
+        <p:spPr>
+          <a:xfrm>
+            <a:off x="1470373" y="272859"/>
+            <a:ext cx="9390903" cy="6312282"/>
+          </a:xfrm>
+          <a:prstGeom prst="rect">
+            <a:avLst/>
+          </a:prstGeom>
+        </p:spPr>
+      </p:pic>
+    </p:spTree>
+    <p:extLst>
+      <p:ext uri="{BB962C8B-B14F-4D97-AF65-F5344CB8AC3E}">
+        <p14:creationId xmlns:p14="http://schemas.microsoft.com/office/powerpoint/2010/main" val="627199126"/>
+      </p:ext>
+    </p:extLst>
+  </p:cSld>
+  <p:clrMapOvr>
+    <a:masterClrMapping/>
+  </p:clrMapOvr>
+</p:sld>
+</file>
+
+<file path=ppt/slides/slide9.xml><?xml version="1.0" encoding="utf-8"?>
+<p:sld xmlns:a="http://schemas.openxmlformats.org/drawingml/2006/main" xmlns:r="http://schemas.openxmlformats.org/officeDocument/2006/relationships" xmlns:p="http://schemas.openxmlformats.org/presentationml/2006/main">
+  <p:cSld>
+    <p:spTree>
+      <p:nvGrpSpPr>
+        <p:cNvPr id="1" name=""/>
+        <p:cNvGrpSpPr/>
+        <p:nvPr/>
+      </p:nvGrpSpPr>
+      <p:grpSpPr>
+        <a:xfrm>
+          <a:off x="0" y="0"/>
+          <a:ext cx="0" cy="0"/>
+          <a:chOff x="0" y="0"/>
+          <a:chExt cx="0" cy="0"/>
+        </a:xfrm>
+      </p:grpSpPr>
       <p:pic>
         <p:nvPicPr>
           <p:cNvPr id="6" name="Grafik 5">
@@ -5603,695 +6304,6 @@
     <p:extLst>
       <p:ext uri="{BB962C8B-B14F-4D97-AF65-F5344CB8AC3E}">
         <p14:creationId xmlns:p14="http://schemas.microsoft.com/office/powerpoint/2010/main" val="2296028903"/>
-      </p:ext>
-    </p:extLst>
-  </p:cSld>
-  <p:clrMapOvr>
-    <a:masterClrMapping/>
-  </p:clrMapOvr>
-</p:sld>
-</file>
-
-<file path=ppt/slides/slide2.xml><?xml version="1.0" encoding="utf-8"?>
-<p:sld xmlns:a="http://schemas.openxmlformats.org/drawingml/2006/main" xmlns:r="http://schemas.openxmlformats.org/officeDocument/2006/relationships" xmlns:p="http://schemas.openxmlformats.org/presentationml/2006/main">
-  <p:cSld>
-    <p:spTree>
-      <p:nvGrpSpPr>
-        <p:cNvPr id="1" name=""/>
-        <p:cNvGrpSpPr/>
-        <p:nvPr/>
-      </p:nvGrpSpPr>
-      <p:grpSpPr>
-        <a:xfrm>
-          <a:off x="0" y="0"/>
-          <a:ext cx="0" cy="0"/>
-          <a:chOff x="0" y="0"/>
-          <a:chExt cx="0" cy="0"/>
-        </a:xfrm>
-      </p:grpSpPr>
-      <p:sp>
-        <p:nvSpPr>
-          <p:cNvPr id="2" name="Titel 1">
-            <a:extLst>
-              <a:ext uri="{FF2B5EF4-FFF2-40B4-BE49-F238E27FC236}">
-                <a16:creationId xmlns:a16="http://schemas.microsoft.com/office/drawing/2014/main" id="{84F8704F-C6BB-40E2-B96D-A080DD6E392F}"/>
-              </a:ext>
-            </a:extLst>
-          </p:cNvPr>
-          <p:cNvSpPr>
-            <a:spLocks noGrp="1"/>
-          </p:cNvSpPr>
-          <p:nvPr>
-            <p:ph type="title"/>
-          </p:nvPr>
-        </p:nvSpPr>
-        <p:spPr/>
-        <p:txBody>
-          <a:bodyPr/>
-          <a:lstStyle/>
-          <a:p>
-            <a:endParaRPr lang="de-CH"/>
-          </a:p>
-        </p:txBody>
-      </p:sp>
-      <p:sp>
-        <p:nvSpPr>
-          <p:cNvPr id="3" name="Inhaltsplatzhalter 2">
-            <a:extLst>
-              <a:ext uri="{FF2B5EF4-FFF2-40B4-BE49-F238E27FC236}">
-                <a16:creationId xmlns:a16="http://schemas.microsoft.com/office/drawing/2014/main" id="{247469BC-2AD5-46C4-9C3B-88D70A876005}"/>
-              </a:ext>
-            </a:extLst>
-          </p:cNvPr>
-          <p:cNvSpPr>
-            <a:spLocks noGrp="1"/>
-          </p:cNvSpPr>
-          <p:nvPr>
-            <p:ph idx="1"/>
-          </p:nvPr>
-        </p:nvSpPr>
-        <p:spPr/>
-        <p:txBody>
-          <a:bodyPr/>
-          <a:lstStyle/>
-          <a:p>
-            <a:endParaRPr lang="de-CH"/>
-          </a:p>
-        </p:txBody>
-      </p:sp>
-    </p:spTree>
-    <p:extLst>
-      <p:ext uri="{BB962C8B-B14F-4D97-AF65-F5344CB8AC3E}">
-        <p14:creationId xmlns:p14="http://schemas.microsoft.com/office/powerpoint/2010/main" val="2222171487"/>
-      </p:ext>
-    </p:extLst>
-  </p:cSld>
-  <p:clrMapOvr>
-    <a:masterClrMapping/>
-  </p:clrMapOvr>
-</p:sld>
-</file>
-
-<file path=ppt/slides/slide3.xml><?xml version="1.0" encoding="utf-8"?>
-<p:sld xmlns:a="http://schemas.openxmlformats.org/drawingml/2006/main" xmlns:r="http://schemas.openxmlformats.org/officeDocument/2006/relationships" xmlns:p="http://schemas.openxmlformats.org/presentationml/2006/main">
-  <p:cSld>
-    <p:spTree>
-      <p:nvGrpSpPr>
-        <p:cNvPr id="1" name=""/>
-        <p:cNvGrpSpPr/>
-        <p:nvPr/>
-      </p:nvGrpSpPr>
-      <p:grpSpPr>
-        <a:xfrm>
-          <a:off x="0" y="0"/>
-          <a:ext cx="0" cy="0"/>
-          <a:chOff x="0" y="0"/>
-          <a:chExt cx="0" cy="0"/>
-        </a:xfrm>
-      </p:grpSpPr>
-      <p:sp>
-        <p:nvSpPr>
-          <p:cNvPr id="2" name="Titel 1">
-            <a:extLst>
-              <a:ext uri="{FF2B5EF4-FFF2-40B4-BE49-F238E27FC236}">
-                <a16:creationId xmlns:a16="http://schemas.microsoft.com/office/drawing/2014/main" id="{E8B5B27D-A941-4473-B940-5A94F3BB0CE5}"/>
-              </a:ext>
-            </a:extLst>
-          </p:cNvPr>
-          <p:cNvSpPr>
-            <a:spLocks noGrp="1"/>
-          </p:cNvSpPr>
-          <p:nvPr>
-            <p:ph type="title"/>
-          </p:nvPr>
-        </p:nvSpPr>
-        <p:spPr/>
-        <p:txBody>
-          <a:bodyPr/>
-          <a:lstStyle/>
-          <a:p>
-            <a:endParaRPr lang="de-CH" dirty="0"/>
-          </a:p>
-        </p:txBody>
-      </p:sp>
-      <p:pic>
-        <p:nvPicPr>
-          <p:cNvPr id="4" name="Inhaltsplatzhalter 3">
-            <a:extLst>
-              <a:ext uri="{FF2B5EF4-FFF2-40B4-BE49-F238E27FC236}">
-                <a16:creationId xmlns:a16="http://schemas.microsoft.com/office/drawing/2014/main" id="{6CB74B96-3ADF-4669-A754-7B27187855A2}"/>
-              </a:ext>
-            </a:extLst>
-          </p:cNvPr>
-          <p:cNvPicPr>
-            <a:picLocks noGrp="1" noChangeAspect="1"/>
-          </p:cNvPicPr>
-          <p:nvPr>
-            <p:ph idx="1"/>
-          </p:nvPr>
-        </p:nvPicPr>
-        <p:blipFill>
-          <a:blip r:embed="rId2"/>
-          <a:stretch>
-            <a:fillRect/>
-          </a:stretch>
-        </p:blipFill>
-        <p:spPr>
-          <a:xfrm>
-            <a:off x="2368094" y="253748"/>
-            <a:ext cx="7455811" cy="6350503"/>
-          </a:xfrm>
-          <a:prstGeom prst="rect">
-            <a:avLst/>
-          </a:prstGeom>
-        </p:spPr>
-      </p:pic>
-    </p:spTree>
-    <p:extLst>
-      <p:ext uri="{BB962C8B-B14F-4D97-AF65-F5344CB8AC3E}">
-        <p14:creationId xmlns:p14="http://schemas.microsoft.com/office/powerpoint/2010/main" val="3743560670"/>
-      </p:ext>
-    </p:extLst>
-  </p:cSld>
-  <p:clrMapOvr>
-    <a:masterClrMapping/>
-  </p:clrMapOvr>
-</p:sld>
-</file>
-
-<file path=ppt/slides/slide4.xml><?xml version="1.0" encoding="utf-8"?>
-<p:sld xmlns:a="http://schemas.openxmlformats.org/drawingml/2006/main" xmlns:r="http://schemas.openxmlformats.org/officeDocument/2006/relationships" xmlns:p="http://schemas.openxmlformats.org/presentationml/2006/main">
-  <p:cSld>
-    <p:spTree>
-      <p:nvGrpSpPr>
-        <p:cNvPr id="1" name=""/>
-        <p:cNvGrpSpPr/>
-        <p:nvPr/>
-      </p:nvGrpSpPr>
-      <p:grpSpPr>
-        <a:xfrm>
-          <a:off x="0" y="0"/>
-          <a:ext cx="0" cy="0"/>
-          <a:chOff x="0" y="0"/>
-          <a:chExt cx="0" cy="0"/>
-        </a:xfrm>
-      </p:grpSpPr>
-      <p:sp>
-        <p:nvSpPr>
-          <p:cNvPr id="2" name="Titel 1">
-            <a:extLst>
-              <a:ext uri="{FF2B5EF4-FFF2-40B4-BE49-F238E27FC236}">
-                <a16:creationId xmlns:a16="http://schemas.microsoft.com/office/drawing/2014/main" id="{1A7DAA6B-388B-4E94-8263-4738867AD5B7}"/>
-              </a:ext>
-            </a:extLst>
-          </p:cNvPr>
-          <p:cNvSpPr>
-            <a:spLocks noGrp="1"/>
-          </p:cNvSpPr>
-          <p:nvPr>
-            <p:ph type="title"/>
-          </p:nvPr>
-        </p:nvSpPr>
-        <p:spPr/>
-        <p:txBody>
-          <a:bodyPr/>
-          <a:lstStyle/>
-          <a:p>
-            <a:endParaRPr lang="de-CH"/>
-          </a:p>
-        </p:txBody>
-      </p:sp>
-      <p:pic>
-        <p:nvPicPr>
-          <p:cNvPr id="4" name="Inhaltsplatzhalter 3">
-            <a:extLst>
-              <a:ext uri="{FF2B5EF4-FFF2-40B4-BE49-F238E27FC236}">
-                <a16:creationId xmlns:a16="http://schemas.microsoft.com/office/drawing/2014/main" id="{FC592DAB-56A4-4950-ACD9-405F01F155B1}"/>
-              </a:ext>
-            </a:extLst>
-          </p:cNvPr>
-          <p:cNvPicPr>
-            <a:picLocks noGrp="1" noChangeAspect="1"/>
-          </p:cNvPicPr>
-          <p:nvPr>
-            <p:ph idx="1"/>
-          </p:nvPr>
-        </p:nvPicPr>
-        <p:blipFill>
-          <a:blip r:embed="rId2"/>
-          <a:stretch>
-            <a:fillRect/>
-          </a:stretch>
-        </p:blipFill>
-        <p:spPr>
-          <a:xfrm>
-            <a:off x="894500" y="582672"/>
-            <a:ext cx="10613288" cy="5866255"/>
-          </a:xfrm>
-          <a:prstGeom prst="rect">
-            <a:avLst/>
-          </a:prstGeom>
-        </p:spPr>
-      </p:pic>
-    </p:spTree>
-    <p:extLst>
-      <p:ext uri="{BB962C8B-B14F-4D97-AF65-F5344CB8AC3E}">
-        <p14:creationId xmlns:p14="http://schemas.microsoft.com/office/powerpoint/2010/main" val="1023309917"/>
-      </p:ext>
-    </p:extLst>
-  </p:cSld>
-  <p:clrMapOvr>
-    <a:masterClrMapping/>
-  </p:clrMapOvr>
-</p:sld>
-</file>
-
-<file path=ppt/slides/slide5.xml><?xml version="1.0" encoding="utf-8"?>
-<p:sld xmlns:a="http://schemas.openxmlformats.org/drawingml/2006/main" xmlns:r="http://schemas.openxmlformats.org/officeDocument/2006/relationships" xmlns:p="http://schemas.openxmlformats.org/presentationml/2006/main">
-  <p:cSld>
-    <p:spTree>
-      <p:nvGrpSpPr>
-        <p:cNvPr id="1" name=""/>
-        <p:cNvGrpSpPr/>
-        <p:nvPr/>
-      </p:nvGrpSpPr>
-      <p:grpSpPr>
-        <a:xfrm>
-          <a:off x="0" y="0"/>
-          <a:ext cx="0" cy="0"/>
-          <a:chOff x="0" y="0"/>
-          <a:chExt cx="0" cy="0"/>
-        </a:xfrm>
-      </p:grpSpPr>
-      <p:sp>
-        <p:nvSpPr>
-          <p:cNvPr id="2" name="Titel 1">
-            <a:extLst>
-              <a:ext uri="{FF2B5EF4-FFF2-40B4-BE49-F238E27FC236}">
-                <a16:creationId xmlns:a16="http://schemas.microsoft.com/office/drawing/2014/main" id="{6C283FA4-AB8A-4CF0-8414-FF5FDBC632BF}"/>
-              </a:ext>
-            </a:extLst>
-          </p:cNvPr>
-          <p:cNvSpPr>
-            <a:spLocks noGrp="1"/>
-          </p:cNvSpPr>
-          <p:nvPr>
-            <p:ph type="title"/>
-          </p:nvPr>
-        </p:nvSpPr>
-        <p:spPr/>
-        <p:txBody>
-          <a:bodyPr/>
-          <a:lstStyle/>
-          <a:p>
-            <a:endParaRPr lang="de-CH"/>
-          </a:p>
-        </p:txBody>
-      </p:sp>
-      <p:pic>
-        <p:nvPicPr>
-          <p:cNvPr id="4" name="Inhaltsplatzhalter 3">
-            <a:extLst>
-              <a:ext uri="{FF2B5EF4-FFF2-40B4-BE49-F238E27FC236}">
-                <a16:creationId xmlns:a16="http://schemas.microsoft.com/office/drawing/2014/main" id="{B47D7273-D9FA-4D9E-A91A-894350C9A056}"/>
-              </a:ext>
-            </a:extLst>
-          </p:cNvPr>
-          <p:cNvPicPr>
-            <a:picLocks noGrp="1" noChangeAspect="1"/>
-          </p:cNvPicPr>
-          <p:nvPr>
-            <p:ph idx="1"/>
-          </p:nvPr>
-        </p:nvPicPr>
-        <p:blipFill>
-          <a:blip r:embed="rId2"/>
-          <a:stretch>
-            <a:fillRect/>
-          </a:stretch>
-        </p:blipFill>
-        <p:spPr>
-          <a:xfrm>
-            <a:off x="1208117" y="76486"/>
-            <a:ext cx="10214145" cy="6705027"/>
-          </a:xfrm>
-          <a:prstGeom prst="rect">
-            <a:avLst/>
-          </a:prstGeom>
-        </p:spPr>
-      </p:pic>
-    </p:spTree>
-    <p:extLst>
-      <p:ext uri="{BB962C8B-B14F-4D97-AF65-F5344CB8AC3E}">
-        <p14:creationId xmlns:p14="http://schemas.microsoft.com/office/powerpoint/2010/main" val="3916176217"/>
-      </p:ext>
-    </p:extLst>
-  </p:cSld>
-  <p:clrMapOvr>
-    <a:masterClrMapping/>
-  </p:clrMapOvr>
-</p:sld>
-</file>
-
-<file path=ppt/slides/slide6.xml><?xml version="1.0" encoding="utf-8"?>
-<p:sld xmlns:a="http://schemas.openxmlformats.org/drawingml/2006/main" xmlns:r="http://schemas.openxmlformats.org/officeDocument/2006/relationships" xmlns:p="http://schemas.openxmlformats.org/presentationml/2006/main">
-  <p:cSld>
-    <p:spTree>
-      <p:nvGrpSpPr>
-        <p:cNvPr id="1" name=""/>
-        <p:cNvGrpSpPr/>
-        <p:nvPr/>
-      </p:nvGrpSpPr>
-      <p:grpSpPr>
-        <a:xfrm>
-          <a:off x="0" y="0"/>
-          <a:ext cx="0" cy="0"/>
-          <a:chOff x="0" y="0"/>
-          <a:chExt cx="0" cy="0"/>
-        </a:xfrm>
-      </p:grpSpPr>
-      <p:sp>
-        <p:nvSpPr>
-          <p:cNvPr id="2" name="Titel 1">
-            <a:extLst>
-              <a:ext uri="{FF2B5EF4-FFF2-40B4-BE49-F238E27FC236}">
-                <a16:creationId xmlns:a16="http://schemas.microsoft.com/office/drawing/2014/main" id="{C605AC43-1517-4613-9843-3C480F07DE1E}"/>
-              </a:ext>
-            </a:extLst>
-          </p:cNvPr>
-          <p:cNvSpPr>
-            <a:spLocks noGrp="1"/>
-          </p:cNvSpPr>
-          <p:nvPr>
-            <p:ph type="title"/>
-          </p:nvPr>
-        </p:nvSpPr>
-        <p:spPr/>
-        <p:txBody>
-          <a:bodyPr/>
-          <a:lstStyle/>
-          <a:p>
-            <a:endParaRPr lang="de-CH"/>
-          </a:p>
-        </p:txBody>
-      </p:sp>
-      <p:pic>
-        <p:nvPicPr>
-          <p:cNvPr id="4" name="Inhaltsplatzhalter 3">
-            <a:extLst>
-              <a:ext uri="{FF2B5EF4-FFF2-40B4-BE49-F238E27FC236}">
-                <a16:creationId xmlns:a16="http://schemas.microsoft.com/office/drawing/2014/main" id="{ED789E1E-0849-46A7-9F71-7EBE59427E34}"/>
-              </a:ext>
-            </a:extLst>
-          </p:cNvPr>
-          <p:cNvPicPr>
-            <a:picLocks noGrp="1" noChangeAspect="1"/>
-          </p:cNvPicPr>
-          <p:nvPr>
-            <p:ph idx="1"/>
-          </p:nvPr>
-        </p:nvPicPr>
-        <p:blipFill>
-          <a:blip r:embed="rId2"/>
-          <a:stretch>
-            <a:fillRect/>
-          </a:stretch>
-        </p:blipFill>
-        <p:spPr>
-          <a:xfrm>
-            <a:off x="1314103" y="323993"/>
-            <a:ext cx="9095905" cy="6210014"/>
-          </a:xfrm>
-          <a:prstGeom prst="rect">
-            <a:avLst/>
-          </a:prstGeom>
-        </p:spPr>
-      </p:pic>
-    </p:spTree>
-    <p:extLst>
-      <p:ext uri="{BB962C8B-B14F-4D97-AF65-F5344CB8AC3E}">
-        <p14:creationId xmlns:p14="http://schemas.microsoft.com/office/powerpoint/2010/main" val="1275144709"/>
-      </p:ext>
-    </p:extLst>
-  </p:cSld>
-  <p:clrMapOvr>
-    <a:masterClrMapping/>
-  </p:clrMapOvr>
-</p:sld>
-</file>
-
-<file path=ppt/slides/slide7.xml><?xml version="1.0" encoding="utf-8"?>
-<p:sld xmlns:a="http://schemas.openxmlformats.org/drawingml/2006/main" xmlns:r="http://schemas.openxmlformats.org/officeDocument/2006/relationships" xmlns:p="http://schemas.openxmlformats.org/presentationml/2006/main">
-  <p:cSld>
-    <p:spTree>
-      <p:nvGrpSpPr>
-        <p:cNvPr id="1" name=""/>
-        <p:cNvGrpSpPr/>
-        <p:nvPr/>
-      </p:nvGrpSpPr>
-      <p:grpSpPr>
-        <a:xfrm>
-          <a:off x="0" y="0"/>
-          <a:ext cx="0" cy="0"/>
-          <a:chOff x="0" y="0"/>
-          <a:chExt cx="0" cy="0"/>
-        </a:xfrm>
-      </p:grpSpPr>
-      <p:sp>
-        <p:nvSpPr>
-          <p:cNvPr id="2" name="Titel 1">
-            <a:extLst>
-              <a:ext uri="{FF2B5EF4-FFF2-40B4-BE49-F238E27FC236}">
-                <a16:creationId xmlns:a16="http://schemas.microsoft.com/office/drawing/2014/main" id="{F6C277AA-40B6-4EEA-ABCD-3E7E7CD3245B}"/>
-              </a:ext>
-            </a:extLst>
-          </p:cNvPr>
-          <p:cNvSpPr>
-            <a:spLocks noGrp="1"/>
-          </p:cNvSpPr>
-          <p:nvPr>
-            <p:ph type="title"/>
-          </p:nvPr>
-        </p:nvSpPr>
-        <p:spPr/>
-        <p:txBody>
-          <a:bodyPr/>
-          <a:lstStyle/>
-          <a:p>
-            <a:endParaRPr lang="de-CH"/>
-          </a:p>
-        </p:txBody>
-      </p:sp>
-      <p:pic>
-        <p:nvPicPr>
-          <p:cNvPr id="4" name="Inhaltsplatzhalter 3">
-            <a:extLst>
-              <a:ext uri="{FF2B5EF4-FFF2-40B4-BE49-F238E27FC236}">
-                <a16:creationId xmlns:a16="http://schemas.microsoft.com/office/drawing/2014/main" id="{0AEE3EDB-BF22-4536-8EA3-341634EAC019}"/>
-              </a:ext>
-            </a:extLst>
-          </p:cNvPr>
-          <p:cNvPicPr>
-            <a:picLocks noGrp="1" noChangeAspect="1"/>
-          </p:cNvPicPr>
-          <p:nvPr>
-            <p:ph idx="1"/>
-          </p:nvPr>
-        </p:nvPicPr>
-        <p:blipFill>
-          <a:blip r:embed="rId2"/>
-          <a:stretch>
-            <a:fillRect/>
-          </a:stretch>
-        </p:blipFill>
-        <p:spPr>
-          <a:xfrm>
-            <a:off x="1446281" y="87658"/>
-            <a:ext cx="9079632" cy="6506892"/>
-          </a:xfrm>
-          <a:prstGeom prst="rect">
-            <a:avLst/>
-          </a:prstGeom>
-        </p:spPr>
-      </p:pic>
-    </p:spTree>
-    <p:extLst>
-      <p:ext uri="{BB962C8B-B14F-4D97-AF65-F5344CB8AC3E}">
-        <p14:creationId xmlns:p14="http://schemas.microsoft.com/office/powerpoint/2010/main" val="2088621020"/>
-      </p:ext>
-    </p:extLst>
-  </p:cSld>
-  <p:clrMapOvr>
-    <a:masterClrMapping/>
-  </p:clrMapOvr>
-</p:sld>
-</file>
-
-<file path=ppt/slides/slide8.xml><?xml version="1.0" encoding="utf-8"?>
-<p:sld xmlns:a="http://schemas.openxmlformats.org/drawingml/2006/main" xmlns:r="http://schemas.openxmlformats.org/officeDocument/2006/relationships" xmlns:p="http://schemas.openxmlformats.org/presentationml/2006/main">
-  <p:cSld>
-    <p:spTree>
-      <p:nvGrpSpPr>
-        <p:cNvPr id="1" name=""/>
-        <p:cNvGrpSpPr/>
-        <p:nvPr/>
-      </p:nvGrpSpPr>
-      <p:grpSpPr>
-        <a:xfrm>
-          <a:off x="0" y="0"/>
-          <a:ext cx="0" cy="0"/>
-          <a:chOff x="0" y="0"/>
-          <a:chExt cx="0" cy="0"/>
-        </a:xfrm>
-      </p:grpSpPr>
-      <p:sp>
-        <p:nvSpPr>
-          <p:cNvPr id="2" name="Titel 1">
-            <a:extLst>
-              <a:ext uri="{FF2B5EF4-FFF2-40B4-BE49-F238E27FC236}">
-                <a16:creationId xmlns:a16="http://schemas.microsoft.com/office/drawing/2014/main" id="{238AD273-C637-4E96-AD18-FD541CFFBEAE}"/>
-              </a:ext>
-            </a:extLst>
-          </p:cNvPr>
-          <p:cNvSpPr>
-            <a:spLocks noGrp="1"/>
-          </p:cNvSpPr>
-          <p:nvPr>
-            <p:ph type="title"/>
-          </p:nvPr>
-        </p:nvSpPr>
-        <p:spPr/>
-        <p:txBody>
-          <a:bodyPr/>
-          <a:lstStyle/>
-          <a:p>
-            <a:endParaRPr lang="de-CH"/>
-          </a:p>
-        </p:txBody>
-      </p:sp>
-      <p:pic>
-        <p:nvPicPr>
-          <p:cNvPr id="4" name="Inhaltsplatzhalter 3">
-            <a:extLst>
-              <a:ext uri="{FF2B5EF4-FFF2-40B4-BE49-F238E27FC236}">
-                <a16:creationId xmlns:a16="http://schemas.microsoft.com/office/drawing/2014/main" id="{5839D4D4-FCC1-443A-A8CF-801E4B616749}"/>
-              </a:ext>
-            </a:extLst>
-          </p:cNvPr>
-          <p:cNvPicPr>
-            <a:picLocks noGrp="1" noChangeAspect="1"/>
-          </p:cNvPicPr>
-          <p:nvPr>
-            <p:ph idx="1"/>
-          </p:nvPr>
-        </p:nvPicPr>
-        <p:blipFill>
-          <a:blip r:embed="rId2"/>
-          <a:stretch>
-            <a:fillRect/>
-          </a:stretch>
-        </p:blipFill>
-        <p:spPr>
-          <a:xfrm>
-            <a:off x="1470373" y="272859"/>
-            <a:ext cx="9390903" cy="6312282"/>
-          </a:xfrm>
-          <a:prstGeom prst="rect">
-            <a:avLst/>
-          </a:prstGeom>
-        </p:spPr>
-      </p:pic>
-    </p:spTree>
-    <p:extLst>
-      <p:ext uri="{BB962C8B-B14F-4D97-AF65-F5344CB8AC3E}">
-        <p14:creationId xmlns:p14="http://schemas.microsoft.com/office/powerpoint/2010/main" val="627199126"/>
-      </p:ext>
-    </p:extLst>
-  </p:cSld>
-  <p:clrMapOvr>
-    <a:masterClrMapping/>
-  </p:clrMapOvr>
-</p:sld>
-</file>
-
-<file path=ppt/slides/slide9.xml><?xml version="1.0" encoding="utf-8"?>
-<p:sld xmlns:a="http://schemas.openxmlformats.org/drawingml/2006/main" xmlns:r="http://schemas.openxmlformats.org/officeDocument/2006/relationships" xmlns:p="http://schemas.openxmlformats.org/presentationml/2006/main">
-  <p:cSld>
-    <p:spTree>
-      <p:nvGrpSpPr>
-        <p:cNvPr id="1" name=""/>
-        <p:cNvGrpSpPr/>
-        <p:nvPr/>
-      </p:nvGrpSpPr>
-      <p:grpSpPr>
-        <a:xfrm>
-          <a:off x="0" y="0"/>
-          <a:ext cx="0" cy="0"/>
-          <a:chOff x="0" y="0"/>
-          <a:chExt cx="0" cy="0"/>
-        </a:xfrm>
-      </p:grpSpPr>
-      <p:sp>
-        <p:nvSpPr>
-          <p:cNvPr id="2" name="Titel 1">
-            <a:extLst>
-              <a:ext uri="{FF2B5EF4-FFF2-40B4-BE49-F238E27FC236}">
-                <a16:creationId xmlns:a16="http://schemas.microsoft.com/office/drawing/2014/main" id="{CCC6BA96-1273-4301-83AA-040C51ADBB78}"/>
-              </a:ext>
-            </a:extLst>
-          </p:cNvPr>
-          <p:cNvSpPr>
-            <a:spLocks noGrp="1"/>
-          </p:cNvSpPr>
-          <p:nvPr>
-            <p:ph type="title"/>
-          </p:nvPr>
-        </p:nvSpPr>
-        <p:spPr/>
-        <p:txBody>
-          <a:bodyPr/>
-          <a:lstStyle/>
-          <a:p>
-            <a:endParaRPr lang="de-CH"/>
-          </a:p>
-        </p:txBody>
-      </p:sp>
-      <p:pic>
-        <p:nvPicPr>
-          <p:cNvPr id="4" name="Inhaltsplatzhalter 3">
-            <a:extLst>
-              <a:ext uri="{FF2B5EF4-FFF2-40B4-BE49-F238E27FC236}">
-                <a16:creationId xmlns:a16="http://schemas.microsoft.com/office/drawing/2014/main" id="{D70C8911-1C7D-4E83-8793-8CD18780D89E}"/>
-              </a:ext>
-            </a:extLst>
-          </p:cNvPr>
-          <p:cNvPicPr>
-            <a:picLocks noGrp="1" noChangeAspect="1"/>
-          </p:cNvPicPr>
-          <p:nvPr>
-            <p:ph idx="1"/>
-          </p:nvPr>
-        </p:nvPicPr>
-        <p:blipFill>
-          <a:blip r:embed="rId2"/>
-          <a:stretch>
-            <a:fillRect/>
-          </a:stretch>
-        </p:blipFill>
-        <p:spPr>
-          <a:xfrm>
-            <a:off x="1336090" y="271271"/>
-            <a:ext cx="9563558" cy="6281055"/>
-          </a:xfrm>
-          <a:prstGeom prst="rect">
-            <a:avLst/>
-          </a:prstGeom>
-        </p:spPr>
-      </p:pic>
-    </p:spTree>
-    <p:extLst>
-      <p:ext uri="{BB962C8B-B14F-4D97-AF65-F5344CB8AC3E}">
-        <p14:creationId xmlns:p14="http://schemas.microsoft.com/office/powerpoint/2010/main" val="2975336818"/>
       </p:ext>
     </p:extLst>
   </p:cSld>

--- a/pp.pptx
+++ b/pp.pptx
@@ -121,12 +121,20 @@
 </p:presentation>
 </file>
 
+<file path=ppt/revisionInfo.xml><?xml version="1.0" encoding="utf-8"?>
+<p1510:revInfo xmlns:a="http://schemas.openxmlformats.org/drawingml/2006/main" xmlns:r="http://schemas.openxmlformats.org/officeDocument/2006/relationships" xmlns:p1510="http://schemas.microsoft.com/office/powerpoint/2015/10/main">
+  <p1510:revLst>
+    <p1510:client id="{BCF241F5-6246-4B04-B107-FE72DBD59DC4}" v="11" dt="2021-05-16T17:24:17.057"/>
+  </p1510:revLst>
+</p1510:revInfo>
+</file>
+
 <file path=ppt/changesInfos/changesInfo1.xml><?xml version="1.0" encoding="utf-8"?>
 <pc:chgInfo xmlns:a="http://schemas.openxmlformats.org/drawingml/2006/main" xmlns:r="http://schemas.openxmlformats.org/officeDocument/2006/relationships" xmlns:ac="http://schemas.microsoft.com/office/drawing/2013/main/command" xmlns:pc="http://schemas.microsoft.com/office/powerpoint/2013/main/command">
   <pc:docChgLst>
     <pc:chgData name="pascal bühler" userId="a32c1ca0ce8d2434" providerId="LiveId" clId="{BCF241F5-6246-4B04-B107-FE72DBD59DC4}"/>
-    <pc:docChg chg="addSld modSld sldOrd">
-      <pc:chgData name="pascal bühler" userId="a32c1ca0ce8d2434" providerId="LiveId" clId="{BCF241F5-6246-4B04-B107-FE72DBD59DC4}" dt="2021-05-15T12:37:42.553" v="2"/>
+    <pc:docChg chg="custSel addSld modSld sldOrd">
+      <pc:chgData name="pascal bühler" userId="a32c1ca0ce8d2434" providerId="LiveId" clId="{BCF241F5-6246-4B04-B107-FE72DBD59DC4}" dt="2021-05-16T17:24:35.047" v="123" actId="1076"/>
       <pc:docMkLst>
         <pc:docMk/>
       </pc:docMkLst>
@@ -137,12 +145,124 @@
           <pc:sldMk cId="2296028903" sldId="264"/>
         </pc:sldMkLst>
       </pc:sldChg>
-      <pc:sldChg chg="new">
-        <pc:chgData name="pascal bühler" userId="a32c1ca0ce8d2434" providerId="LiveId" clId="{BCF241F5-6246-4B04-B107-FE72DBD59DC4}" dt="2021-05-15T11:53:25.878" v="0" actId="680"/>
+      <pc:sldChg chg="addSp delSp modSp new mod">
+        <pc:chgData name="pascal bühler" userId="a32c1ca0ce8d2434" providerId="LiveId" clId="{BCF241F5-6246-4B04-B107-FE72DBD59DC4}" dt="2021-05-16T17:24:35.047" v="123" actId="1076"/>
         <pc:sldMkLst>
           <pc:docMk/>
           <pc:sldMk cId="2222171487" sldId="265"/>
         </pc:sldMkLst>
+        <pc:spChg chg="del">
+          <ac:chgData name="pascal bühler" userId="a32c1ca0ce8d2434" providerId="LiveId" clId="{BCF241F5-6246-4B04-B107-FE72DBD59DC4}" dt="2021-05-16T17:18:08.389" v="31" actId="478"/>
+          <ac:spMkLst>
+            <pc:docMk/>
+            <pc:sldMk cId="2222171487" sldId="265"/>
+            <ac:spMk id="2" creationId="{84F8704F-C6BB-40E2-B96D-A080DD6E392F}"/>
+          </ac:spMkLst>
+        </pc:spChg>
+        <pc:spChg chg="del">
+          <ac:chgData name="pascal bühler" userId="a32c1ca0ce8d2434" providerId="LiveId" clId="{BCF241F5-6246-4B04-B107-FE72DBD59DC4}" dt="2021-05-16T17:17:59.307" v="29"/>
+          <ac:spMkLst>
+            <pc:docMk/>
+            <pc:sldMk cId="2222171487" sldId="265"/>
+            <ac:spMk id="3" creationId="{247469BC-2AD5-46C4-9C3B-88D70A876005}"/>
+          </ac:spMkLst>
+        </pc:spChg>
+        <pc:spChg chg="add del mod">
+          <ac:chgData name="pascal bühler" userId="a32c1ca0ce8d2434" providerId="LiveId" clId="{BCF241F5-6246-4B04-B107-FE72DBD59DC4}" dt="2021-05-16T17:18:38.081" v="42" actId="478"/>
+          <ac:spMkLst>
+            <pc:docMk/>
+            <pc:sldMk cId="2222171487" sldId="265"/>
+            <ac:spMk id="4" creationId="{20E89A08-0B86-4900-971D-9F7A95910970}"/>
+          </ac:spMkLst>
+        </pc:spChg>
+        <pc:spChg chg="add del mod">
+          <ac:chgData name="pascal bühler" userId="a32c1ca0ce8d2434" providerId="LiveId" clId="{BCF241F5-6246-4B04-B107-FE72DBD59DC4}" dt="2021-05-16T17:18:06.321" v="30" actId="478"/>
+          <ac:spMkLst>
+            <pc:docMk/>
+            <pc:sldMk cId="2222171487" sldId="265"/>
+            <ac:spMk id="5" creationId="{ED1890B8-3B0A-44A2-B509-DFE851D33775}"/>
+          </ac:spMkLst>
+        </pc:spChg>
+        <pc:spChg chg="add del mod">
+          <ac:chgData name="pascal bühler" userId="a32c1ca0ce8d2434" providerId="LiveId" clId="{BCF241F5-6246-4B04-B107-FE72DBD59DC4}" dt="2021-05-16T17:18:09.953" v="32" actId="478"/>
+          <ac:spMkLst>
+            <pc:docMk/>
+            <pc:sldMk cId="2222171487" sldId="265"/>
+            <ac:spMk id="7" creationId="{6D3C7C29-A53F-444D-980C-8B3619191524}"/>
+          </ac:spMkLst>
+        </pc:spChg>
+        <pc:spChg chg="add mod">
+          <ac:chgData name="pascal bühler" userId="a32c1ca0ce8d2434" providerId="LiveId" clId="{BCF241F5-6246-4B04-B107-FE72DBD59DC4}" dt="2021-05-16T17:23:11.157" v="111" actId="1076"/>
+          <ac:spMkLst>
+            <pc:docMk/>
+            <pc:sldMk cId="2222171487" sldId="265"/>
+            <ac:spMk id="8" creationId="{B02B9244-7850-48A7-BA67-8044A8A7D2ED}"/>
+          </ac:spMkLst>
+        </pc:spChg>
+        <pc:spChg chg="add mod">
+          <ac:chgData name="pascal bühler" userId="a32c1ca0ce8d2434" providerId="LiveId" clId="{BCF241F5-6246-4B04-B107-FE72DBD59DC4}" dt="2021-05-16T17:24:30.998" v="121" actId="1076"/>
+          <ac:spMkLst>
+            <pc:docMk/>
+            <pc:sldMk cId="2222171487" sldId="265"/>
+            <ac:spMk id="9" creationId="{22EE5B44-B36D-4776-929A-32C7B6E9CBD6}"/>
+          </ac:spMkLst>
+        </pc:spChg>
+        <pc:spChg chg="add del mod">
+          <ac:chgData name="pascal bühler" userId="a32c1ca0ce8d2434" providerId="LiveId" clId="{BCF241F5-6246-4B04-B107-FE72DBD59DC4}" dt="2021-05-16T17:21:11.971" v="103" actId="478"/>
+          <ac:spMkLst>
+            <pc:docMk/>
+            <pc:sldMk cId="2222171487" sldId="265"/>
+            <ac:spMk id="10" creationId="{722FE589-6823-41E2-9904-7E5BCE8CD975}"/>
+          </ac:spMkLst>
+        </pc:spChg>
+        <pc:spChg chg="add del mod">
+          <ac:chgData name="pascal bühler" userId="a32c1ca0ce8d2434" providerId="LiveId" clId="{BCF241F5-6246-4B04-B107-FE72DBD59DC4}" dt="2021-05-16T17:19:34.033" v="75" actId="478"/>
+          <ac:spMkLst>
+            <pc:docMk/>
+            <pc:sldMk cId="2222171487" sldId="265"/>
+            <ac:spMk id="11" creationId="{7524C571-15E8-44B3-9CA3-7003039C2026}"/>
+          </ac:spMkLst>
+        </pc:spChg>
+        <pc:spChg chg="add mod">
+          <ac:chgData name="pascal bühler" userId="a32c1ca0ce8d2434" providerId="LiveId" clId="{BCF241F5-6246-4B04-B107-FE72DBD59DC4}" dt="2021-05-16T17:23:15.369" v="113" actId="1076"/>
+          <ac:spMkLst>
+            <pc:docMk/>
+            <pc:sldMk cId="2222171487" sldId="265"/>
+            <ac:spMk id="12" creationId="{C76A9952-6EF7-433E-B36C-63DB7C8CA6FC}"/>
+          </ac:spMkLst>
+        </pc:spChg>
+        <pc:spChg chg="add mod">
+          <ac:chgData name="pascal bühler" userId="a32c1ca0ce8d2434" providerId="LiveId" clId="{BCF241F5-6246-4B04-B107-FE72DBD59DC4}" dt="2021-05-16T17:23:17.964" v="114" actId="1076"/>
+          <ac:spMkLst>
+            <pc:docMk/>
+            <pc:sldMk cId="2222171487" sldId="265"/>
+            <ac:spMk id="13" creationId="{53636A1E-37F4-494D-B20E-1CAA379A37E6}"/>
+          </ac:spMkLst>
+        </pc:spChg>
+        <pc:spChg chg="add mod">
+          <ac:chgData name="pascal bühler" userId="a32c1ca0ce8d2434" providerId="LiveId" clId="{BCF241F5-6246-4B04-B107-FE72DBD59DC4}" dt="2021-05-16T17:23:19.883" v="115" actId="1076"/>
+          <ac:spMkLst>
+            <pc:docMk/>
+            <pc:sldMk cId="2222171487" sldId="265"/>
+            <ac:spMk id="14" creationId="{7C11985D-41DE-40F9-9D36-D46C7EE501B4}"/>
+          </ac:spMkLst>
+        </pc:spChg>
+        <pc:spChg chg="add mod">
+          <ac:chgData name="pascal bühler" userId="a32c1ca0ce8d2434" providerId="LiveId" clId="{BCF241F5-6246-4B04-B107-FE72DBD59DC4}" dt="2021-05-16T17:23:13.080" v="112" actId="1076"/>
+          <ac:spMkLst>
+            <pc:docMk/>
+            <pc:sldMk cId="2222171487" sldId="265"/>
+            <ac:spMk id="15" creationId="{A621E1E6-0F71-4989-A0F7-DC6BD6C5DF51}"/>
+          </ac:spMkLst>
+        </pc:spChg>
+        <pc:picChg chg="add mod">
+          <ac:chgData name="pascal bühler" userId="a32c1ca0ce8d2434" providerId="LiveId" clId="{BCF241F5-6246-4B04-B107-FE72DBD59DC4}" dt="2021-05-16T17:24:35.047" v="123" actId="1076"/>
+          <ac:picMkLst>
+            <pc:docMk/>
+            <pc:sldMk cId="2222171487" sldId="265"/>
+            <ac:picMk id="17" creationId="{ED3DA89E-3A26-4E4B-9B9F-852A67D9F136}"/>
+          </ac:picMkLst>
+        </pc:picChg>
       </pc:sldChg>
     </pc:docChg>
   </pc:docChgLst>
@@ -340,7 +460,7 @@
           <a:p>
             <a:fld id="{C495F439-B389-46C3-A34A-E5A3C3C3B5D0}" type="datetimeFigureOut">
               <a:rPr lang="de-CH" smtClean="0"/>
-              <a:t>15.05.2021</a:t>
+              <a:t>16.05.2021</a:t>
             </a:fld>
             <a:endParaRPr lang="de-CH"/>
           </a:p>
@@ -776,7 +896,7 @@
           <a:p>
             <a:fld id="{C495F439-B389-46C3-A34A-E5A3C3C3B5D0}" type="datetimeFigureOut">
               <a:rPr lang="de-CH" smtClean="0"/>
-              <a:t>15.05.2021</a:t>
+              <a:t>16.05.2021</a:t>
             </a:fld>
             <a:endParaRPr lang="de-CH"/>
           </a:p>
@@ -1026,7 +1146,7 @@
           <a:p>
             <a:fld id="{C495F439-B389-46C3-A34A-E5A3C3C3B5D0}" type="datetimeFigureOut">
               <a:rPr lang="de-CH" smtClean="0"/>
-              <a:t>15.05.2021</a:t>
+              <a:t>16.05.2021</a:t>
             </a:fld>
             <a:endParaRPr lang="de-CH"/>
           </a:p>
@@ -1334,7 +1454,7 @@
           <a:p>
             <a:fld id="{C495F439-B389-46C3-A34A-E5A3C3C3B5D0}" type="datetimeFigureOut">
               <a:rPr lang="de-CH" smtClean="0"/>
-              <a:t>15.05.2021</a:t>
+              <a:t>16.05.2021</a:t>
             </a:fld>
             <a:endParaRPr lang="de-CH"/>
           </a:p>
@@ -1652,7 +1772,7 @@
           <a:p>
             <a:fld id="{C495F439-B389-46C3-A34A-E5A3C3C3B5D0}" type="datetimeFigureOut">
               <a:rPr lang="de-CH" smtClean="0"/>
-              <a:t>15.05.2021</a:t>
+              <a:t>16.05.2021</a:t>
             </a:fld>
             <a:endParaRPr lang="de-CH"/>
           </a:p>
@@ -1954,7 +2074,7 @@
           <a:p>
             <a:fld id="{C495F439-B389-46C3-A34A-E5A3C3C3B5D0}" type="datetimeFigureOut">
               <a:rPr lang="de-CH" smtClean="0"/>
-              <a:t>15.05.2021</a:t>
+              <a:t>16.05.2021</a:t>
             </a:fld>
             <a:endParaRPr lang="de-CH"/>
           </a:p>
@@ -2321,7 +2441,7 @@
           <a:p>
             <a:fld id="{C495F439-B389-46C3-A34A-E5A3C3C3B5D0}" type="datetimeFigureOut">
               <a:rPr lang="de-CH" smtClean="0"/>
-              <a:t>15.05.2021</a:t>
+              <a:t>16.05.2021</a:t>
             </a:fld>
             <a:endParaRPr lang="de-CH"/>
           </a:p>
@@ -2495,7 +2615,7 @@
           <a:p>
             <a:fld id="{C495F439-B389-46C3-A34A-E5A3C3C3B5D0}" type="datetimeFigureOut">
               <a:rPr lang="de-CH" smtClean="0"/>
-              <a:t>15.05.2021</a:t>
+              <a:t>16.05.2021</a:t>
             </a:fld>
             <a:endParaRPr lang="de-CH"/>
           </a:p>
@@ -2675,7 +2795,7 @@
           <a:p>
             <a:fld id="{C495F439-B389-46C3-A34A-E5A3C3C3B5D0}" type="datetimeFigureOut">
               <a:rPr lang="de-CH" smtClean="0"/>
-              <a:t>15.05.2021</a:t>
+              <a:t>16.05.2021</a:t>
             </a:fld>
             <a:endParaRPr lang="de-CH"/>
           </a:p>
@@ -2845,7 +2965,7 @@
           <a:p>
             <a:fld id="{C495F439-B389-46C3-A34A-E5A3C3C3B5D0}" type="datetimeFigureOut">
               <a:rPr lang="de-CH" smtClean="0"/>
-              <a:t>15.05.2021</a:t>
+              <a:t>16.05.2021</a:t>
             </a:fld>
             <a:endParaRPr lang="de-CH"/>
           </a:p>
@@ -3095,7 +3215,7 @@
           <a:p>
             <a:fld id="{C495F439-B389-46C3-A34A-E5A3C3C3B5D0}" type="datetimeFigureOut">
               <a:rPr lang="de-CH" smtClean="0"/>
-              <a:t>15.05.2021</a:t>
+              <a:t>16.05.2021</a:t>
             </a:fld>
             <a:endParaRPr lang="de-CH"/>
           </a:p>
@@ -3331,7 +3451,7 @@
           <a:p>
             <a:fld id="{C495F439-B389-46C3-A34A-E5A3C3C3B5D0}" type="datetimeFigureOut">
               <a:rPr lang="de-CH" smtClean="0"/>
-              <a:t>15.05.2021</a:t>
+              <a:t>16.05.2021</a:t>
             </a:fld>
             <a:endParaRPr lang="de-CH"/>
           </a:p>
@@ -3713,7 +3833,7 @@
           <a:p>
             <a:fld id="{C495F439-B389-46C3-A34A-E5A3C3C3B5D0}" type="datetimeFigureOut">
               <a:rPr lang="de-CH" smtClean="0"/>
-              <a:t>15.05.2021</a:t>
+              <a:t>16.05.2021</a:t>
             </a:fld>
             <a:endParaRPr lang="de-CH"/>
           </a:p>
@@ -3831,7 +3951,7 @@
           <a:p>
             <a:fld id="{C495F439-B389-46C3-A34A-E5A3C3C3B5D0}" type="datetimeFigureOut">
               <a:rPr lang="de-CH" smtClean="0"/>
-              <a:t>15.05.2021</a:t>
+              <a:t>16.05.2021</a:t>
             </a:fld>
             <a:endParaRPr lang="de-CH"/>
           </a:p>
@@ -3926,7 +4046,7 @@
           <a:p>
             <a:fld id="{C495F439-B389-46C3-A34A-E5A3C3C3B5D0}" type="datetimeFigureOut">
               <a:rPr lang="de-CH" smtClean="0"/>
-              <a:t>15.05.2021</a:t>
+              <a:t>16.05.2021</a:t>
             </a:fld>
             <a:endParaRPr lang="de-CH"/>
           </a:p>
@@ -4181,7 +4301,7 @@
           <a:p>
             <a:fld id="{C495F439-B389-46C3-A34A-E5A3C3C3B5D0}" type="datetimeFigureOut">
               <a:rPr lang="de-CH" smtClean="0"/>
-              <a:t>15.05.2021</a:t>
+              <a:t>16.05.2021</a:t>
             </a:fld>
             <a:endParaRPr lang="de-CH"/>
           </a:p>
@@ -4464,7 +4584,7 @@
           <a:p>
             <a:fld id="{C495F439-B389-46C3-A34A-E5A3C3C3B5D0}" type="datetimeFigureOut">
               <a:rPr lang="de-CH" smtClean="0"/>
-              <a:t>15.05.2021</a:t>
+              <a:t>16.05.2021</a:t>
             </a:fld>
             <a:endParaRPr lang="de-CH"/>
           </a:p>
@@ -4870,7 +4990,7 @@
           <a:p>
             <a:fld id="{C495F439-B389-46C3-A34A-E5A3C3C3B5D0}" type="datetimeFigureOut">
               <a:rPr lang="de-CH" smtClean="0"/>
-              <a:t>15.05.2021</a:t>
+              <a:t>16.05.2021</a:t>
             </a:fld>
             <a:endParaRPr lang="de-CH"/>
           </a:p>
@@ -5583,54 +5703,497 @@
       </p:grpSpPr>
       <p:sp>
         <p:nvSpPr>
-          <p:cNvPr id="2" name="Titel 1">
+          <p:cNvPr id="8" name="Rechteck 7">
             <a:extLst>
               <a:ext uri="{FF2B5EF4-FFF2-40B4-BE49-F238E27FC236}">
-                <a16:creationId xmlns:a16="http://schemas.microsoft.com/office/drawing/2014/main" id="{84F8704F-C6BB-40E2-B96D-A080DD6E392F}"/>
+                <a16:creationId xmlns:a16="http://schemas.microsoft.com/office/drawing/2014/main" id="{B02B9244-7850-48A7-BA67-8044A8A7D2ED}"/>
               </a:ext>
             </a:extLst>
           </p:cNvPr>
-          <p:cNvSpPr>
-            <a:spLocks noGrp="1"/>
-          </p:cNvSpPr>
-          <p:nvPr>
-            <p:ph type="title"/>
-          </p:nvPr>
-        </p:nvSpPr>
-        <p:spPr/>
-        <p:txBody>
-          <a:bodyPr/>
-          <a:lstStyle/>
-          <a:p>
-            <a:endParaRPr lang="de-CH"/>
-          </a:p>
-        </p:txBody>
-      </p:sp>
-      <p:sp>
-        <p:nvSpPr>
-          <p:cNvPr id="3" name="Inhaltsplatzhalter 2">
+          <p:cNvSpPr/>
+          <p:nvPr/>
+        </p:nvSpPr>
+        <p:spPr>
+          <a:xfrm>
+            <a:off x="3383918" y="2981235"/>
+            <a:ext cx="3614290" cy="923330"/>
+          </a:xfrm>
+          <a:prstGeom prst="rect">
+            <a:avLst/>
+          </a:prstGeom>
+          <a:noFill/>
+        </p:spPr>
+        <p:txBody>
+          <a:bodyPr wrap="square" lIns="91440" tIns="45720" rIns="91440" bIns="45720">
+            <a:spAutoFit/>
+          </a:bodyPr>
+          <a:lstStyle/>
+          <a:p>
+            <a:pPr algn="ctr"/>
+            <a:r>
+              <a:rPr lang="de-DE" sz="5400" dirty="0">
+                <a:ln w="0"/>
+                <a:effectLst>
+                  <a:outerShdw blurRad="38100" dist="19050" dir="2700000" algn="tl" rotWithShape="0">
+                    <a:schemeClr val="dk1">
+                      <a:alpha val="40000"/>
+                    </a:schemeClr>
+                  </a:outerShdw>
+                </a:effectLst>
+              </a:rPr>
+              <a:t>VS.</a:t>
+            </a:r>
+            <a:endParaRPr lang="de-DE" sz="5400" b="0" cap="none" spc="0" dirty="0">
+              <a:ln w="0"/>
+              <a:solidFill>
+                <a:schemeClr val="tx1"/>
+              </a:solidFill>
+              <a:effectLst>
+                <a:outerShdw blurRad="38100" dist="19050" dir="2700000" algn="tl" rotWithShape="0">
+                  <a:schemeClr val="dk1">
+                    <a:alpha val="40000"/>
+                  </a:schemeClr>
+                </a:outerShdw>
+              </a:effectLst>
+            </a:endParaRPr>
+          </a:p>
+        </p:txBody>
+      </p:sp>
+      <p:sp>
+        <p:nvSpPr>
+          <p:cNvPr id="9" name="Rechteck 8">
             <a:extLst>
               <a:ext uri="{FF2B5EF4-FFF2-40B4-BE49-F238E27FC236}">
-                <a16:creationId xmlns:a16="http://schemas.microsoft.com/office/drawing/2014/main" id="{247469BC-2AD5-46C4-9C3B-88D70A876005}"/>
+                <a16:creationId xmlns:a16="http://schemas.microsoft.com/office/drawing/2014/main" id="{22EE5B44-B36D-4776-929A-32C7B6E9CBD6}"/>
               </a:ext>
             </a:extLst>
           </p:cNvPr>
-          <p:cNvSpPr>
-            <a:spLocks noGrp="1"/>
-          </p:cNvSpPr>
-          <p:nvPr>
-            <p:ph idx="1"/>
-          </p:nvPr>
-        </p:nvSpPr>
-        <p:spPr/>
-        <p:txBody>
-          <a:bodyPr/>
-          <a:lstStyle/>
-          <a:p>
-            <a:endParaRPr lang="de-CH"/>
-          </a:p>
-        </p:txBody>
-      </p:sp>
+          <p:cNvSpPr/>
+          <p:nvPr/>
+        </p:nvSpPr>
+        <p:spPr>
+          <a:xfrm>
+            <a:off x="1135363" y="2005584"/>
+            <a:ext cx="2571005" cy="2585323"/>
+          </a:xfrm>
+          <a:prstGeom prst="rect">
+            <a:avLst/>
+          </a:prstGeom>
+          <a:noFill/>
+        </p:spPr>
+        <p:txBody>
+          <a:bodyPr wrap="square" lIns="91440" tIns="45720" rIns="91440" bIns="45720">
+            <a:spAutoFit/>
+          </a:bodyPr>
+          <a:lstStyle/>
+          <a:p>
+            <a:pPr algn="ctr"/>
+            <a:r>
+              <a:rPr lang="de-DE" sz="5400" b="1" dirty="0">
+                <a:ln w="12700" cmpd="sng">
+                  <a:solidFill>
+                    <a:schemeClr val="accent4"/>
+                  </a:solidFill>
+                  <a:prstDash val="solid"/>
+                </a:ln>
+                <a:gradFill>
+                  <a:gsLst>
+                    <a:gs pos="0">
+                      <a:schemeClr val="accent4"/>
+                    </a:gs>
+                    <a:gs pos="4000">
+                      <a:schemeClr val="accent4">
+                        <a:lumMod val="60000"/>
+                        <a:lumOff val="40000"/>
+                      </a:schemeClr>
+                    </a:gs>
+                    <a:gs pos="87000">
+                      <a:schemeClr val="accent4">
+                        <a:lumMod val="20000"/>
+                        <a:lumOff val="80000"/>
+                      </a:schemeClr>
+                    </a:gs>
+                  </a:gsLst>
+                  <a:lin ang="5400000"/>
+                </a:gradFill>
+              </a:rPr>
+              <a:t>Buy </a:t>
+            </a:r>
+          </a:p>
+          <a:p>
+            <a:pPr algn="ctr"/>
+            <a:r>
+              <a:rPr lang="de-DE" sz="5400" b="1" dirty="0">
+                <a:ln w="12700" cmpd="sng">
+                  <a:solidFill>
+                    <a:schemeClr val="accent4"/>
+                  </a:solidFill>
+                  <a:prstDash val="solid"/>
+                </a:ln>
+                <a:gradFill>
+                  <a:gsLst>
+                    <a:gs pos="0">
+                      <a:schemeClr val="accent4"/>
+                    </a:gs>
+                    <a:gs pos="4000">
+                      <a:schemeClr val="accent4">
+                        <a:lumMod val="60000"/>
+                        <a:lumOff val="40000"/>
+                      </a:schemeClr>
+                    </a:gs>
+                    <a:gs pos="87000">
+                      <a:schemeClr val="accent4">
+                        <a:lumMod val="20000"/>
+                        <a:lumOff val="80000"/>
+                      </a:schemeClr>
+                    </a:gs>
+                  </a:gsLst>
+                  <a:lin ang="5400000"/>
+                </a:gradFill>
+              </a:rPr>
+              <a:t>and Hold</a:t>
+            </a:r>
+            <a:endParaRPr lang="de-CH" sz="5400" b="1" dirty="0">
+              <a:ln w="12700" cmpd="sng">
+                <a:solidFill>
+                  <a:schemeClr val="accent4"/>
+                </a:solidFill>
+                <a:prstDash val="solid"/>
+              </a:ln>
+              <a:gradFill>
+                <a:gsLst>
+                  <a:gs pos="0">
+                    <a:schemeClr val="accent4"/>
+                  </a:gs>
+                  <a:gs pos="4000">
+                    <a:schemeClr val="accent4">
+                      <a:lumMod val="60000"/>
+                      <a:lumOff val="40000"/>
+                    </a:schemeClr>
+                  </a:gs>
+                  <a:gs pos="87000">
+                    <a:schemeClr val="accent4">
+                      <a:lumMod val="20000"/>
+                      <a:lumOff val="80000"/>
+                    </a:schemeClr>
+                  </a:gs>
+                </a:gsLst>
+                <a:lin ang="5400000"/>
+              </a:gradFill>
+            </a:endParaRPr>
+          </a:p>
+        </p:txBody>
+      </p:sp>
+      <p:sp>
+        <p:nvSpPr>
+          <p:cNvPr id="12" name="Rechteck 11">
+            <a:extLst>
+              <a:ext uri="{FF2B5EF4-FFF2-40B4-BE49-F238E27FC236}">
+                <a16:creationId xmlns:a16="http://schemas.microsoft.com/office/drawing/2014/main" id="{C76A9952-6EF7-433E-B36C-63DB7C8CA6FC}"/>
+              </a:ext>
+            </a:extLst>
+          </p:cNvPr>
+          <p:cNvSpPr/>
+          <p:nvPr/>
+        </p:nvSpPr>
+        <p:spPr>
+          <a:xfrm>
+            <a:off x="6316960" y="2963546"/>
+            <a:ext cx="3954797" cy="923330"/>
+          </a:xfrm>
+          <a:prstGeom prst="rect">
+            <a:avLst/>
+          </a:prstGeom>
+          <a:noFill/>
+        </p:spPr>
+        <p:txBody>
+          <a:bodyPr wrap="square" lIns="91440" tIns="45720" rIns="91440" bIns="45720">
+            <a:spAutoFit/>
+          </a:bodyPr>
+          <a:lstStyle/>
+          <a:p>
+            <a:pPr algn="ctr"/>
+            <a:r>
+              <a:rPr lang="de-DE" sz="5400" b="1" dirty="0">
+                <a:ln w="6600">
+                  <a:solidFill>
+                    <a:schemeClr val="accent2"/>
+                  </a:solidFill>
+                  <a:prstDash val="solid"/>
+                </a:ln>
+                <a:solidFill>
+                  <a:srgbClr val="FFFFFF"/>
+                </a:solidFill>
+                <a:effectLst>
+                  <a:outerShdw dist="38100" dir="2700000" algn="tl" rotWithShape="0">
+                    <a:schemeClr val="accent2"/>
+                  </a:outerShdw>
+                </a:effectLst>
+              </a:rPr>
+              <a:t>RNN</a:t>
+            </a:r>
+            <a:endParaRPr lang="de-CH" sz="5400" b="1" dirty="0">
+              <a:ln w="6600">
+                <a:solidFill>
+                  <a:schemeClr val="accent2"/>
+                </a:solidFill>
+                <a:prstDash val="solid"/>
+              </a:ln>
+              <a:solidFill>
+                <a:srgbClr val="FFFFFF"/>
+              </a:solidFill>
+              <a:effectLst>
+                <a:outerShdw dist="38100" dir="2700000" algn="tl" rotWithShape="0">
+                  <a:schemeClr val="accent2"/>
+                </a:outerShdw>
+              </a:effectLst>
+            </a:endParaRPr>
+          </a:p>
+        </p:txBody>
+      </p:sp>
+      <p:sp>
+        <p:nvSpPr>
+          <p:cNvPr id="13" name="Rechteck 12">
+            <a:extLst>
+              <a:ext uri="{FF2B5EF4-FFF2-40B4-BE49-F238E27FC236}">
+                <a16:creationId xmlns:a16="http://schemas.microsoft.com/office/drawing/2014/main" id="{53636A1E-37F4-494D-B20E-1CAA379A37E6}"/>
+              </a:ext>
+            </a:extLst>
+          </p:cNvPr>
+          <p:cNvSpPr/>
+          <p:nvPr/>
+        </p:nvSpPr>
+        <p:spPr>
+          <a:xfrm>
+            <a:off x="6268193" y="3891110"/>
+            <a:ext cx="3954797" cy="923330"/>
+          </a:xfrm>
+          <a:prstGeom prst="rect">
+            <a:avLst/>
+          </a:prstGeom>
+          <a:noFill/>
+        </p:spPr>
+        <p:txBody>
+          <a:bodyPr wrap="square" lIns="91440" tIns="45720" rIns="91440" bIns="45720">
+            <a:spAutoFit/>
+          </a:bodyPr>
+          <a:lstStyle/>
+          <a:p>
+            <a:pPr algn="ctr"/>
+            <a:r>
+              <a:rPr lang="de-DE" sz="5400" b="1" dirty="0">
+                <a:ln w="6600">
+                  <a:solidFill>
+                    <a:schemeClr val="accent2"/>
+                  </a:solidFill>
+                  <a:prstDash val="solid"/>
+                </a:ln>
+                <a:solidFill>
+                  <a:srgbClr val="FFFFFF"/>
+                </a:solidFill>
+                <a:effectLst>
+                  <a:outerShdw dist="38100" dir="2700000" algn="tl" rotWithShape="0">
+                    <a:schemeClr val="accent2"/>
+                  </a:outerShdw>
+                </a:effectLst>
+              </a:rPr>
+              <a:t>LSTM</a:t>
+            </a:r>
+            <a:endParaRPr lang="de-CH" sz="5400" b="1" dirty="0">
+              <a:ln w="6600">
+                <a:solidFill>
+                  <a:schemeClr val="accent2"/>
+                </a:solidFill>
+                <a:prstDash val="solid"/>
+              </a:ln>
+              <a:solidFill>
+                <a:srgbClr val="FFFFFF"/>
+              </a:solidFill>
+              <a:effectLst>
+                <a:outerShdw dist="38100" dir="2700000" algn="tl" rotWithShape="0">
+                  <a:schemeClr val="accent2"/>
+                </a:outerShdw>
+              </a:effectLst>
+            </a:endParaRPr>
+          </a:p>
+        </p:txBody>
+      </p:sp>
+      <p:sp>
+        <p:nvSpPr>
+          <p:cNvPr id="14" name="Rechteck 13">
+            <a:extLst>
+              <a:ext uri="{FF2B5EF4-FFF2-40B4-BE49-F238E27FC236}">
+                <a16:creationId xmlns:a16="http://schemas.microsoft.com/office/drawing/2014/main" id="{7C11985D-41DE-40F9-9D36-D46C7EE501B4}"/>
+              </a:ext>
+            </a:extLst>
+          </p:cNvPr>
+          <p:cNvSpPr/>
+          <p:nvPr/>
+        </p:nvSpPr>
+        <p:spPr>
+          <a:xfrm>
+            <a:off x="6199973" y="4868705"/>
+            <a:ext cx="3954797" cy="923330"/>
+          </a:xfrm>
+          <a:prstGeom prst="rect">
+            <a:avLst/>
+          </a:prstGeom>
+          <a:noFill/>
+        </p:spPr>
+        <p:txBody>
+          <a:bodyPr wrap="square" lIns="91440" tIns="45720" rIns="91440" bIns="45720">
+            <a:spAutoFit/>
+          </a:bodyPr>
+          <a:lstStyle/>
+          <a:p>
+            <a:pPr algn="ctr"/>
+            <a:r>
+              <a:rPr lang="de-DE" sz="5400" b="1" dirty="0">
+                <a:ln w="6600">
+                  <a:solidFill>
+                    <a:schemeClr val="accent2"/>
+                  </a:solidFill>
+                  <a:prstDash val="solid"/>
+                </a:ln>
+                <a:solidFill>
+                  <a:srgbClr val="FFFFFF"/>
+                </a:solidFill>
+                <a:effectLst>
+                  <a:outerShdw dist="38100" dir="2700000" algn="tl" rotWithShape="0">
+                    <a:schemeClr val="accent2"/>
+                  </a:outerShdw>
+                </a:effectLst>
+              </a:rPr>
+              <a:t>GRU</a:t>
+            </a:r>
+            <a:endParaRPr lang="de-CH" sz="5400" b="1" dirty="0">
+              <a:ln w="6600">
+                <a:solidFill>
+                  <a:schemeClr val="accent2"/>
+                </a:solidFill>
+                <a:prstDash val="solid"/>
+              </a:ln>
+              <a:solidFill>
+                <a:srgbClr val="FFFFFF"/>
+              </a:solidFill>
+              <a:effectLst>
+                <a:outerShdw dist="38100" dir="2700000" algn="tl" rotWithShape="0">
+                  <a:schemeClr val="accent2"/>
+                </a:outerShdw>
+              </a:effectLst>
+            </a:endParaRPr>
+          </a:p>
+        </p:txBody>
+      </p:sp>
+      <p:sp>
+        <p:nvSpPr>
+          <p:cNvPr id="15" name="Rechteck 14">
+            <a:extLst>
+              <a:ext uri="{FF2B5EF4-FFF2-40B4-BE49-F238E27FC236}">
+                <a16:creationId xmlns:a16="http://schemas.microsoft.com/office/drawing/2014/main" id="{A621E1E6-0F71-4989-A0F7-DC6BD6C5DF51}"/>
+              </a:ext>
+            </a:extLst>
+          </p:cNvPr>
+          <p:cNvSpPr/>
+          <p:nvPr/>
+        </p:nvSpPr>
+        <p:spPr>
+          <a:xfrm>
+            <a:off x="6199974" y="792269"/>
+            <a:ext cx="3954797" cy="1754326"/>
+          </a:xfrm>
+          <a:prstGeom prst="rect">
+            <a:avLst/>
+          </a:prstGeom>
+          <a:noFill/>
+        </p:spPr>
+        <p:txBody>
+          <a:bodyPr wrap="square" lIns="91440" tIns="45720" rIns="91440" bIns="45720">
+            <a:spAutoFit/>
+          </a:bodyPr>
+          <a:lstStyle/>
+          <a:p>
+            <a:pPr algn="ctr"/>
+            <a:r>
+              <a:rPr lang="de-DE" sz="5400" b="1" cap="none" spc="0" dirty="0">
+                <a:ln w="9525">
+                  <a:solidFill>
+                    <a:schemeClr val="bg1"/>
+                  </a:solidFill>
+                  <a:prstDash val="solid"/>
+                </a:ln>
+                <a:solidFill>
+                  <a:schemeClr val="accent5"/>
+                </a:solidFill>
+                <a:effectLst>
+                  <a:outerShdw blurRad="12700" dist="38100" dir="2700000" algn="tl" rotWithShape="0">
+                    <a:schemeClr val="accent5">
+                      <a:lumMod val="60000"/>
+                      <a:lumOff val="40000"/>
+                    </a:schemeClr>
+                  </a:outerShdw>
+                </a:effectLst>
+              </a:rPr>
+              <a:t>Feed Forward</a:t>
+            </a:r>
+            <a:endParaRPr lang="de-CH" sz="5400" b="1" cap="none" spc="0" dirty="0">
+              <a:ln w="9525">
+                <a:solidFill>
+                  <a:schemeClr val="bg1"/>
+                </a:solidFill>
+                <a:prstDash val="solid"/>
+              </a:ln>
+              <a:solidFill>
+                <a:schemeClr val="accent5"/>
+              </a:solidFill>
+              <a:effectLst>
+                <a:outerShdw blurRad="12700" dist="38100" dir="2700000" algn="tl" rotWithShape="0">
+                  <a:schemeClr val="accent5">
+                    <a:lumMod val="60000"/>
+                    <a:lumOff val="40000"/>
+                  </a:schemeClr>
+                </a:outerShdw>
+              </a:effectLst>
+            </a:endParaRPr>
+          </a:p>
+        </p:txBody>
+      </p:sp>
+      <p:pic>
+        <p:nvPicPr>
+          <p:cNvPr id="17" name="Grafik 16">
+            <a:extLst>
+              <a:ext uri="{FF2B5EF4-FFF2-40B4-BE49-F238E27FC236}">
+                <a16:creationId xmlns:a16="http://schemas.microsoft.com/office/drawing/2014/main" id="{ED3DA89E-3A26-4E4B-9B9F-852A67D9F136}"/>
+              </a:ext>
+            </a:extLst>
+          </p:cNvPr>
+          <p:cNvPicPr>
+            <a:picLocks noChangeAspect="1"/>
+          </p:cNvPicPr>
+          <p:nvPr/>
+        </p:nvPicPr>
+        <p:blipFill>
+          <a:blip r:embed="rId2">
+            <a:extLst>
+              <a:ext uri="{28A0092B-C50C-407E-A947-70E740481C1C}">
+                <a14:useLocalDpi xmlns:a14="http://schemas.microsoft.com/office/drawing/2010/main" val="0"/>
+              </a:ext>
+            </a:extLst>
+          </a:blip>
+          <a:stretch>
+            <a:fillRect/>
+          </a:stretch>
+        </p:blipFill>
+        <p:spPr>
+          <a:xfrm>
+            <a:off x="4447351" y="262274"/>
+            <a:ext cx="1487424" cy="1487424"/>
+          </a:xfrm>
+          <a:prstGeom prst="rect">
+            <a:avLst/>
+          </a:prstGeom>
+        </p:spPr>
+      </p:pic>
     </p:spTree>
     <p:extLst>
       <p:ext uri="{BB962C8B-B14F-4D97-AF65-F5344CB8AC3E}">
